--- a/presentations/Распознавание образов на изображениях.pptx
+++ b/presentations/Распознавание образов на изображениях.pptx
@@ -123,6 +123,11 @@
       </a:defRPr>
     </a:lvl9pPr>
   </p:defaultTextStyle>
+  <p:extLst>
+    <p:ext uri="{EFAFB233-063F-42B5-8137-9DF3F51BA10A}">
+      <p15:sldGuideLst xmlns:p15="http://schemas.microsoft.com/office/powerpoint/2012/main"/>
+    </p:ext>
+  </p:extLst>
 </p:presentation>
 </file>
 
@@ -352,7 +357,7 @@
           <a:p>
             <a:fld id="{09F2A319-C633-45AF-85DA-C6E3DE599FF0}" type="datetimeFigureOut">
               <a:rPr lang="ru-RU" smtClean="0"/>
-              <a:t>19.04.2016</a:t>
+              <a:t>20.04.2016</a:t>
             </a:fld>
             <a:endParaRPr lang="ru-RU"/>
           </a:p>
@@ -560,7 +565,7 @@
           <a:p>
             <a:fld id="{09F2A319-C633-45AF-85DA-C6E3DE599FF0}" type="datetimeFigureOut">
               <a:rPr lang="ru-RU" smtClean="0"/>
-              <a:t>19.04.2016</a:t>
+              <a:t>20.04.2016</a:t>
             </a:fld>
             <a:endParaRPr lang="ru-RU"/>
           </a:p>
@@ -816,7 +821,7 @@
           <a:p>
             <a:fld id="{09F2A319-C633-45AF-85DA-C6E3DE599FF0}" type="datetimeFigureOut">
               <a:rPr lang="ru-RU" smtClean="0"/>
-              <a:t>19.04.2016</a:t>
+              <a:t>20.04.2016</a:t>
             </a:fld>
             <a:endParaRPr lang="ru-RU"/>
           </a:p>
@@ -990,7 +995,7 @@
           <a:p>
             <a:fld id="{09F2A319-C633-45AF-85DA-C6E3DE599FF0}" type="datetimeFigureOut">
               <a:rPr lang="ru-RU" smtClean="0"/>
-              <a:t>19.04.2016</a:t>
+              <a:t>20.04.2016</a:t>
             </a:fld>
             <a:endParaRPr lang="ru-RU"/>
           </a:p>
@@ -1333,7 +1338,7 @@
           <a:p>
             <a:fld id="{09F2A319-C633-45AF-85DA-C6E3DE599FF0}" type="datetimeFigureOut">
               <a:rPr lang="ru-RU" smtClean="0"/>
-              <a:t>19.04.2016</a:t>
+              <a:t>20.04.2016</a:t>
             </a:fld>
             <a:endParaRPr lang="ru-RU"/>
           </a:p>
@@ -1608,7 +1613,7 @@
           <a:p>
             <a:fld id="{09F2A319-C633-45AF-85DA-C6E3DE599FF0}" type="datetimeFigureOut">
               <a:rPr lang="ru-RU" smtClean="0"/>
-              <a:t>19.04.2016</a:t>
+              <a:t>20.04.2016</a:t>
             </a:fld>
             <a:endParaRPr lang="ru-RU"/>
           </a:p>
@@ -1987,7 +1992,7 @@
           <a:p>
             <a:fld id="{09F2A319-C633-45AF-85DA-C6E3DE599FF0}" type="datetimeFigureOut">
               <a:rPr lang="ru-RU" smtClean="0"/>
-              <a:t>19.04.2016</a:t>
+              <a:t>20.04.2016</a:t>
             </a:fld>
             <a:endParaRPr lang="ru-RU"/>
           </a:p>
@@ -2105,7 +2110,7 @@
           <a:p>
             <a:fld id="{09F2A319-C633-45AF-85DA-C6E3DE599FF0}" type="datetimeFigureOut">
               <a:rPr lang="ru-RU" smtClean="0"/>
-              <a:t>19.04.2016</a:t>
+              <a:t>20.04.2016</a:t>
             </a:fld>
             <a:endParaRPr lang="ru-RU"/>
           </a:p>
@@ -2276,7 +2281,7 @@
           <a:p>
             <a:fld id="{09F2A319-C633-45AF-85DA-C6E3DE599FF0}" type="datetimeFigureOut">
               <a:rPr lang="ru-RU" smtClean="0"/>
-              <a:t>19.04.2016</a:t>
+              <a:t>20.04.2016</a:t>
             </a:fld>
             <a:endParaRPr lang="ru-RU"/>
           </a:p>
@@ -2630,7 +2635,7 @@
           <a:p>
             <a:fld id="{09F2A319-C633-45AF-85DA-C6E3DE599FF0}" type="datetimeFigureOut">
               <a:rPr lang="ru-RU" smtClean="0"/>
-              <a:t>19.04.2016</a:t>
+              <a:t>20.04.2016</a:t>
             </a:fld>
             <a:endParaRPr lang="ru-RU"/>
           </a:p>
@@ -3012,7 +3017,7 @@
           <a:p>
             <a:fld id="{09F2A319-C633-45AF-85DA-C6E3DE599FF0}" type="datetimeFigureOut">
               <a:rPr lang="ru-RU" smtClean="0"/>
-              <a:t>19.04.2016</a:t>
+              <a:t>20.04.2016</a:t>
             </a:fld>
             <a:endParaRPr lang="ru-RU"/>
           </a:p>
@@ -3299,7 +3304,7 @@
           <a:p>
             <a:fld id="{09F2A319-C633-45AF-85DA-C6E3DE599FF0}" type="datetimeFigureOut">
               <a:rPr lang="ru-RU" smtClean="0"/>
-              <a:t>19.04.2016</a:t>
+              <a:t>20.04.2016</a:t>
             </a:fld>
             <a:endParaRPr lang="ru-RU"/>
           </a:p>
@@ -4676,11 +4681,6 @@
               </a:rPr>
               <a:t>» каждый 	заинтересовавший участок.</a:t>
             </a:r>
-            <a:endParaRPr lang="ru-RU" sz="2600" dirty="0" smtClean="0">
-              <a:solidFill>
-                <a:schemeClr val="tx1"/>
-              </a:solidFill>
-            </a:endParaRPr>
           </a:p>
         </p:txBody>
       </p:sp>
@@ -8033,7 +8033,87 @@
                   <a:schemeClr val="tx1"/>
                 </a:solidFill>
               </a:rPr>
-              <a:t>Итого – у нас все точки картинки имеют свой «вес», который можно корректировать, в зависимости от приоритетов задания.</a:t>
+              <a:t>Итого – у нас все точки картинки </a:t>
+            </a:r>
+            <a:r>
+              <a:rPr lang="en-US" sz="2400" dirty="0" smtClean="0">
+                <a:solidFill>
+                  <a:schemeClr val="tx1"/>
+                </a:solidFill>
+              </a:rPr>
+              <a:t>                                                                        </a:t>
+            </a:r>
+            <a:r>
+              <a:rPr lang="ru-RU" sz="2400" dirty="0" smtClean="0">
+                <a:solidFill>
+                  <a:schemeClr val="tx1"/>
+                </a:solidFill>
+              </a:rPr>
+              <a:t>имеют </a:t>
+            </a:r>
+            <a:r>
+              <a:rPr lang="ru-RU" sz="2400" dirty="0" smtClean="0">
+                <a:solidFill>
+                  <a:schemeClr val="tx1"/>
+                </a:solidFill>
+              </a:rPr>
+              <a:t>свой «вес», который </a:t>
+            </a:r>
+            <a:r>
+              <a:rPr lang="ru-RU" sz="2400" dirty="0" smtClean="0">
+                <a:solidFill>
+                  <a:schemeClr val="tx1"/>
+                </a:solidFill>
+              </a:rPr>
+              <a:t>можно</a:t>
+            </a:r>
+            <a:r>
+              <a:rPr lang="en-US" sz="2400" dirty="0" smtClean="0">
+                <a:solidFill>
+                  <a:schemeClr val="tx1"/>
+                </a:solidFill>
+              </a:rPr>
+              <a:t>                                                                </a:t>
+            </a:r>
+            <a:r>
+              <a:rPr lang="ru-RU" sz="2400" dirty="0" smtClean="0">
+                <a:solidFill>
+                  <a:schemeClr val="tx1"/>
+                </a:solidFill>
+              </a:rPr>
+              <a:t> </a:t>
+            </a:r>
+            <a:r>
+              <a:rPr lang="ru-RU" sz="2400" dirty="0" smtClean="0">
+                <a:solidFill>
+                  <a:schemeClr val="tx1"/>
+                </a:solidFill>
+              </a:rPr>
+              <a:t>корректировать, в зависимости от </a:t>
+            </a:r>
+            <a:r>
+              <a:rPr lang="en-US" sz="2400" dirty="0" smtClean="0">
+                <a:solidFill>
+                  <a:schemeClr val="tx1"/>
+                </a:solidFill>
+              </a:rPr>
+              <a:t>                                                                        </a:t>
+            </a:r>
+            <a:r>
+              <a:rPr lang="ru-RU" sz="2400" dirty="0" smtClean="0">
+                <a:solidFill>
+                  <a:schemeClr val="tx1"/>
+                </a:solidFill>
+              </a:rPr>
+              <a:t>приоритетов </a:t>
+            </a:r>
+            <a:r>
+              <a:rPr lang="ru-RU" sz="2400" dirty="0" smtClean="0">
+                <a:solidFill>
+                  <a:schemeClr val="tx1"/>
+                </a:solidFill>
+              </a:rPr>
+              <a:t>задания.</a:t>
             </a:r>
             <a:endParaRPr lang="en-US" sz="2400" dirty="0" smtClean="0">
               <a:solidFill>
@@ -8043,6 +8123,192 @@
           </a:p>
         </p:txBody>
       </p:sp>
+      <p:pic>
+        <p:nvPicPr>
+          <p:cNvPr id="4" name="Рисунок 3"/>
+          <p:cNvPicPr>
+            <a:picLocks noChangeAspect="1"/>
+          </p:cNvPicPr>
+          <p:nvPr/>
+        </p:nvPicPr>
+        <p:blipFill>
+          <a:blip r:embed="rId2"/>
+          <a:stretch>
+            <a:fillRect/>
+          </a:stretch>
+        </p:blipFill>
+        <p:spPr>
+          <a:xfrm>
+            <a:off x="7577975" y="2653046"/>
+            <a:ext cx="3716798" cy="3574453"/>
+          </a:xfrm>
+          <a:prstGeom prst="rect">
+            <a:avLst/>
+          </a:prstGeom>
+        </p:spPr>
+      </p:pic>
+      <p:cxnSp>
+        <p:nvCxnSpPr>
+          <p:cNvPr id="5" name="Прямая со стрелкой 4"/>
+          <p:cNvCxnSpPr/>
+          <p:nvPr/>
+        </p:nvCxnSpPr>
+        <p:spPr>
+          <a:xfrm>
+            <a:off x="6183960" y="2653046"/>
+            <a:ext cx="1334611" cy="387184"/>
+          </a:xfrm>
+          <a:prstGeom prst="straightConnector1">
+            <a:avLst/>
+          </a:prstGeom>
+          <a:ln w="127000" cap="flat">
+            <a:headEnd type="none" w="lg" len="lg"/>
+            <a:tailEnd type="stealth" w="lg" len="lg"/>
+          </a:ln>
+        </p:spPr>
+        <p:style>
+          <a:lnRef idx="3">
+            <a:schemeClr val="accent1"/>
+          </a:lnRef>
+          <a:fillRef idx="0">
+            <a:schemeClr val="accent1"/>
+          </a:fillRef>
+          <a:effectRef idx="2">
+            <a:schemeClr val="accent1"/>
+          </a:effectRef>
+          <a:fontRef idx="minor">
+            <a:schemeClr val="tx1"/>
+          </a:fontRef>
+        </p:style>
+      </p:cxnSp>
+      <p:sp>
+        <p:nvSpPr>
+          <p:cNvPr id="8" name="TextBox 7"/>
+          <p:cNvSpPr txBox="1"/>
+          <p:nvPr/>
+        </p:nvSpPr>
+        <p:spPr>
+          <a:xfrm>
+            <a:off x="6031514" y="4621231"/>
+            <a:ext cx="304892" cy="369332"/>
+          </a:xfrm>
+          <a:prstGeom prst="rect">
+            <a:avLst/>
+          </a:prstGeom>
+          <a:noFill/>
+        </p:spPr>
+        <p:txBody>
+          <a:bodyPr wrap="none" rtlCol="0">
+            <a:spAutoFit/>
+          </a:bodyPr>
+          <a:lstStyle/>
+          <a:p>
+            <a:r>
+              <a:rPr lang="en-US" dirty="0" smtClean="0"/>
+              <a:t>X</a:t>
+            </a:r>
+            <a:endParaRPr lang="ru-RU" dirty="0"/>
+          </a:p>
+        </p:txBody>
+      </p:sp>
+      <p:cxnSp>
+        <p:nvCxnSpPr>
+          <p:cNvPr id="9" name="Прямая со стрелкой 8"/>
+          <p:cNvCxnSpPr/>
+          <p:nvPr/>
+        </p:nvCxnSpPr>
+        <p:spPr>
+          <a:xfrm flipV="1">
+            <a:off x="7727324" y="5869094"/>
+            <a:ext cx="1234225" cy="108374"/>
+          </a:xfrm>
+          <a:prstGeom prst="straightConnector1">
+            <a:avLst/>
+          </a:prstGeom>
+          <a:ln w="127000" cap="flat">
+            <a:headEnd type="none" w="lg" len="lg"/>
+            <a:tailEnd type="stealth" w="lg" len="lg"/>
+          </a:ln>
+        </p:spPr>
+        <p:style>
+          <a:lnRef idx="3">
+            <a:schemeClr val="accent1"/>
+          </a:lnRef>
+          <a:fillRef idx="0">
+            <a:schemeClr val="accent1"/>
+          </a:fillRef>
+          <a:effectRef idx="2">
+            <a:schemeClr val="accent1"/>
+          </a:effectRef>
+          <a:fontRef idx="minor">
+            <a:schemeClr val="tx1"/>
+          </a:fontRef>
+        </p:style>
+      </p:cxnSp>
+      <p:sp>
+        <p:nvSpPr>
+          <p:cNvPr id="11" name="TextBox 10"/>
+          <p:cNvSpPr txBox="1"/>
+          <p:nvPr/>
+        </p:nvSpPr>
+        <p:spPr>
+          <a:xfrm>
+            <a:off x="7283339" y="5792802"/>
+            <a:ext cx="304892" cy="369332"/>
+          </a:xfrm>
+          <a:prstGeom prst="rect">
+            <a:avLst/>
+          </a:prstGeom>
+          <a:noFill/>
+        </p:spPr>
+        <p:txBody>
+          <a:bodyPr wrap="none" rtlCol="0">
+            <a:spAutoFit/>
+          </a:bodyPr>
+          <a:lstStyle/>
+          <a:p>
+            <a:r>
+              <a:rPr lang="en-US" dirty="0" smtClean="0"/>
+              <a:t>Y</a:t>
+            </a:r>
+            <a:endParaRPr lang="ru-RU" dirty="0"/>
+          </a:p>
+        </p:txBody>
+      </p:sp>
+      <p:cxnSp>
+        <p:nvCxnSpPr>
+          <p:cNvPr id="12" name="Прямая со стрелкой 11"/>
+          <p:cNvCxnSpPr/>
+          <p:nvPr/>
+        </p:nvCxnSpPr>
+        <p:spPr>
+          <a:xfrm>
+            <a:off x="6488806" y="5007735"/>
+            <a:ext cx="1481070" cy="270457"/>
+          </a:xfrm>
+          <a:prstGeom prst="straightConnector1">
+            <a:avLst/>
+          </a:prstGeom>
+          <a:ln w="127000" cap="flat">
+            <a:headEnd type="none" w="lg" len="lg"/>
+            <a:tailEnd type="stealth" w="lg" len="lg"/>
+          </a:ln>
+        </p:spPr>
+        <p:style>
+          <a:lnRef idx="3">
+            <a:schemeClr val="accent1"/>
+          </a:lnRef>
+          <a:fillRef idx="0">
+            <a:schemeClr val="accent1"/>
+          </a:fillRef>
+          <a:effectRef idx="2">
+            <a:schemeClr val="accent1"/>
+          </a:effectRef>
+          <a:fontRef idx="minor">
+            <a:schemeClr val="tx1"/>
+          </a:fontRef>
+        </p:style>
+      </p:cxnSp>
     </p:spTree>
     <p:extLst>
       <p:ext uri="{BB962C8B-B14F-4D97-AF65-F5344CB8AC3E}">
@@ -8056,344 +8322,9 @@
   <p:timing>
     <p:tnLst>
       <p:par>
-        <p:cTn id="1" dur="indefinite" restart="never" nodeType="tmRoot">
-          <p:childTnLst>
-            <p:seq concurrent="1" nextAc="seek">
-              <p:cTn id="2" dur="indefinite" nodeType="mainSeq">
-                <p:childTnLst>
-                  <p:par>
-                    <p:cTn id="3" fill="hold">
-                      <p:stCondLst>
-                        <p:cond delay="indefinite"/>
-                      </p:stCondLst>
-                      <p:childTnLst>
-                        <p:par>
-                          <p:cTn id="4" fill="hold">
-                            <p:stCondLst>
-                              <p:cond delay="0"/>
-                            </p:stCondLst>
-                            <p:childTnLst>
-                              <p:par>
-                                <p:cTn id="5" presetID="42" presetClass="entr" presetSubtype="0" fill="hold" grpId="0" nodeType="clickEffect">
-                                  <p:stCondLst>
-                                    <p:cond delay="0"/>
-                                  </p:stCondLst>
-                                  <p:childTnLst>
-                                    <p:set>
-                                      <p:cBhvr>
-                                        <p:cTn id="6" dur="1" fill="hold">
-                                          <p:stCondLst>
-                                            <p:cond delay="0"/>
-                                          </p:stCondLst>
-                                        </p:cTn>
-                                        <p:tgtEl>
-                                          <p:spTgt spid="3">
-                                            <p:txEl>
-                                              <p:pRg st="0" end="0"/>
-                                            </p:txEl>
-                                          </p:spTgt>
-                                        </p:tgtEl>
-                                        <p:attrNameLst>
-                                          <p:attrName>style.visibility</p:attrName>
-                                        </p:attrNameLst>
-                                      </p:cBhvr>
-                                      <p:to>
-                                        <p:strVal val="visible"/>
-                                      </p:to>
-                                    </p:set>
-                                    <p:animEffect transition="in" filter="fade">
-                                      <p:cBhvr>
-                                        <p:cTn id="7" dur="1000"/>
-                                        <p:tgtEl>
-                                          <p:spTgt spid="3">
-                                            <p:txEl>
-                                              <p:pRg st="0" end="0"/>
-                                            </p:txEl>
-                                          </p:spTgt>
-                                        </p:tgtEl>
-                                      </p:cBhvr>
-                                    </p:animEffect>
-                                    <p:anim calcmode="lin" valueType="num">
-                                      <p:cBhvr>
-                                        <p:cTn id="8" dur="1000" fill="hold"/>
-                                        <p:tgtEl>
-                                          <p:spTgt spid="3">
-                                            <p:txEl>
-                                              <p:pRg st="0" end="0"/>
-                                            </p:txEl>
-                                          </p:spTgt>
-                                        </p:tgtEl>
-                                        <p:attrNameLst>
-                                          <p:attrName>ppt_x</p:attrName>
-                                        </p:attrNameLst>
-                                      </p:cBhvr>
-                                      <p:tavLst>
-                                        <p:tav tm="0">
-                                          <p:val>
-                                            <p:strVal val="#ppt_x"/>
-                                          </p:val>
-                                        </p:tav>
-                                        <p:tav tm="100000">
-                                          <p:val>
-                                            <p:strVal val="#ppt_x"/>
-                                          </p:val>
-                                        </p:tav>
-                                      </p:tavLst>
-                                    </p:anim>
-                                    <p:anim calcmode="lin" valueType="num">
-                                      <p:cBhvr>
-                                        <p:cTn id="9" dur="1000" fill="hold"/>
-                                        <p:tgtEl>
-                                          <p:spTgt spid="3">
-                                            <p:txEl>
-                                              <p:pRg st="0" end="0"/>
-                                            </p:txEl>
-                                          </p:spTgt>
-                                        </p:tgtEl>
-                                        <p:attrNameLst>
-                                          <p:attrName>ppt_y</p:attrName>
-                                        </p:attrNameLst>
-                                      </p:cBhvr>
-                                      <p:tavLst>
-                                        <p:tav tm="0">
-                                          <p:val>
-                                            <p:strVal val="#ppt_y+.1"/>
-                                          </p:val>
-                                        </p:tav>
-                                        <p:tav tm="100000">
-                                          <p:val>
-                                            <p:strVal val="#ppt_y"/>
-                                          </p:val>
-                                        </p:tav>
-                                      </p:tavLst>
-                                    </p:anim>
-                                  </p:childTnLst>
-                                </p:cTn>
-                              </p:par>
-                              <p:par>
-                                <p:cTn id="10" presetID="42" presetClass="entr" presetSubtype="0" fill="hold" grpId="0" nodeType="withEffect">
-                                  <p:stCondLst>
-                                    <p:cond delay="0"/>
-                                  </p:stCondLst>
-                                  <p:childTnLst>
-                                    <p:set>
-                                      <p:cBhvr>
-                                        <p:cTn id="11" dur="1" fill="hold">
-                                          <p:stCondLst>
-                                            <p:cond delay="0"/>
-                                          </p:stCondLst>
-                                        </p:cTn>
-                                        <p:tgtEl>
-                                          <p:spTgt spid="3">
-                                            <p:txEl>
-                                              <p:pRg st="1" end="1"/>
-                                            </p:txEl>
-                                          </p:spTgt>
-                                        </p:tgtEl>
-                                        <p:attrNameLst>
-                                          <p:attrName>style.visibility</p:attrName>
-                                        </p:attrNameLst>
-                                      </p:cBhvr>
-                                      <p:to>
-                                        <p:strVal val="visible"/>
-                                      </p:to>
-                                    </p:set>
-                                    <p:animEffect transition="in" filter="fade">
-                                      <p:cBhvr>
-                                        <p:cTn id="12" dur="1000"/>
-                                        <p:tgtEl>
-                                          <p:spTgt spid="3">
-                                            <p:txEl>
-                                              <p:pRg st="1" end="1"/>
-                                            </p:txEl>
-                                          </p:spTgt>
-                                        </p:tgtEl>
-                                      </p:cBhvr>
-                                    </p:animEffect>
-                                    <p:anim calcmode="lin" valueType="num">
-                                      <p:cBhvr>
-                                        <p:cTn id="13" dur="1000" fill="hold"/>
-                                        <p:tgtEl>
-                                          <p:spTgt spid="3">
-                                            <p:txEl>
-                                              <p:pRg st="1" end="1"/>
-                                            </p:txEl>
-                                          </p:spTgt>
-                                        </p:tgtEl>
-                                        <p:attrNameLst>
-                                          <p:attrName>ppt_x</p:attrName>
-                                        </p:attrNameLst>
-                                      </p:cBhvr>
-                                      <p:tavLst>
-                                        <p:tav tm="0">
-                                          <p:val>
-                                            <p:strVal val="#ppt_x"/>
-                                          </p:val>
-                                        </p:tav>
-                                        <p:tav tm="100000">
-                                          <p:val>
-                                            <p:strVal val="#ppt_x"/>
-                                          </p:val>
-                                        </p:tav>
-                                      </p:tavLst>
-                                    </p:anim>
-                                    <p:anim calcmode="lin" valueType="num">
-                                      <p:cBhvr>
-                                        <p:cTn id="14" dur="1000" fill="hold"/>
-                                        <p:tgtEl>
-                                          <p:spTgt spid="3">
-                                            <p:txEl>
-                                              <p:pRg st="1" end="1"/>
-                                            </p:txEl>
-                                          </p:spTgt>
-                                        </p:tgtEl>
-                                        <p:attrNameLst>
-                                          <p:attrName>ppt_y</p:attrName>
-                                        </p:attrNameLst>
-                                      </p:cBhvr>
-                                      <p:tavLst>
-                                        <p:tav tm="0">
-                                          <p:val>
-                                            <p:strVal val="#ppt_y+.1"/>
-                                          </p:val>
-                                        </p:tav>
-                                        <p:tav tm="100000">
-                                          <p:val>
-                                            <p:strVal val="#ppt_y"/>
-                                          </p:val>
-                                        </p:tav>
-                                      </p:tavLst>
-                                    </p:anim>
-                                  </p:childTnLst>
-                                </p:cTn>
-                              </p:par>
-                              <p:par>
-                                <p:cTn id="15" presetID="42" presetClass="entr" presetSubtype="0" fill="hold" grpId="0" nodeType="withEffect">
-                                  <p:stCondLst>
-                                    <p:cond delay="0"/>
-                                  </p:stCondLst>
-                                  <p:childTnLst>
-                                    <p:set>
-                                      <p:cBhvr>
-                                        <p:cTn id="16" dur="1" fill="hold">
-                                          <p:stCondLst>
-                                            <p:cond delay="0"/>
-                                          </p:stCondLst>
-                                        </p:cTn>
-                                        <p:tgtEl>
-                                          <p:spTgt spid="3">
-                                            <p:txEl>
-                                              <p:pRg st="3" end="3"/>
-                                            </p:txEl>
-                                          </p:spTgt>
-                                        </p:tgtEl>
-                                        <p:attrNameLst>
-                                          <p:attrName>style.visibility</p:attrName>
-                                        </p:attrNameLst>
-                                      </p:cBhvr>
-                                      <p:to>
-                                        <p:strVal val="visible"/>
-                                      </p:to>
-                                    </p:set>
-                                    <p:animEffect transition="in" filter="fade">
-                                      <p:cBhvr>
-                                        <p:cTn id="17" dur="1000"/>
-                                        <p:tgtEl>
-                                          <p:spTgt spid="3">
-                                            <p:txEl>
-                                              <p:pRg st="3" end="3"/>
-                                            </p:txEl>
-                                          </p:spTgt>
-                                        </p:tgtEl>
-                                      </p:cBhvr>
-                                    </p:animEffect>
-                                    <p:anim calcmode="lin" valueType="num">
-                                      <p:cBhvr>
-                                        <p:cTn id="18" dur="1000" fill="hold"/>
-                                        <p:tgtEl>
-                                          <p:spTgt spid="3">
-                                            <p:txEl>
-                                              <p:pRg st="3" end="3"/>
-                                            </p:txEl>
-                                          </p:spTgt>
-                                        </p:tgtEl>
-                                        <p:attrNameLst>
-                                          <p:attrName>ppt_x</p:attrName>
-                                        </p:attrNameLst>
-                                      </p:cBhvr>
-                                      <p:tavLst>
-                                        <p:tav tm="0">
-                                          <p:val>
-                                            <p:strVal val="#ppt_x"/>
-                                          </p:val>
-                                        </p:tav>
-                                        <p:tav tm="100000">
-                                          <p:val>
-                                            <p:strVal val="#ppt_x"/>
-                                          </p:val>
-                                        </p:tav>
-                                      </p:tavLst>
-                                    </p:anim>
-                                    <p:anim calcmode="lin" valueType="num">
-                                      <p:cBhvr>
-                                        <p:cTn id="19" dur="1000" fill="hold"/>
-                                        <p:tgtEl>
-                                          <p:spTgt spid="3">
-                                            <p:txEl>
-                                              <p:pRg st="3" end="3"/>
-                                            </p:txEl>
-                                          </p:spTgt>
-                                        </p:tgtEl>
-                                        <p:attrNameLst>
-                                          <p:attrName>ppt_y</p:attrName>
-                                        </p:attrNameLst>
-                                      </p:cBhvr>
-                                      <p:tavLst>
-                                        <p:tav tm="0">
-                                          <p:val>
-                                            <p:strVal val="#ppt_y+.1"/>
-                                          </p:val>
-                                        </p:tav>
-                                        <p:tav tm="100000">
-                                          <p:val>
-                                            <p:strVal val="#ppt_y"/>
-                                          </p:val>
-                                        </p:tav>
-                                      </p:tavLst>
-                                    </p:anim>
-                                  </p:childTnLst>
-                                </p:cTn>
-                              </p:par>
-                            </p:childTnLst>
-                          </p:cTn>
-                        </p:par>
-                      </p:childTnLst>
-                    </p:cTn>
-                  </p:par>
-                </p:childTnLst>
-              </p:cTn>
-              <p:prevCondLst>
-                <p:cond evt="onPrev" delay="0">
-                  <p:tgtEl>
-                    <p:sldTgt/>
-                  </p:tgtEl>
-                </p:cond>
-              </p:prevCondLst>
-              <p:nextCondLst>
-                <p:cond evt="onNext" delay="0">
-                  <p:tgtEl>
-                    <p:sldTgt/>
-                  </p:tgtEl>
-                </p:cond>
-              </p:nextCondLst>
-            </p:seq>
-          </p:childTnLst>
-        </p:cTn>
+        <p:cTn id="1" dur="indefinite" restart="never" nodeType="tmRoot"/>
       </p:par>
     </p:tnLst>
-    <p:bldLst>
-      <p:bldP spid="3" grpId="0" build="p"/>
-    </p:bldLst>
   </p:timing>
 </p:sld>
 </file>
@@ -10495,29 +10426,6 @@
       </p:sp>
       <p:pic>
         <p:nvPicPr>
-          <p:cNvPr id="4" name="Рисунок 3"/>
-          <p:cNvPicPr>
-            <a:picLocks noChangeAspect="1"/>
-          </p:cNvPicPr>
-          <p:nvPr/>
-        </p:nvPicPr>
-        <p:blipFill rotWithShape="1">
-          <a:blip r:embed="rId2"/>
-          <a:srcRect l="1291" t="3086" r="-517" b="2251"/>
-          <a:stretch/>
-        </p:blipFill>
-        <p:spPr>
-          <a:xfrm rot="540000">
-            <a:off x="8007091" y="2000632"/>
-            <a:ext cx="3678016" cy="3965361"/>
-          </a:xfrm>
-          <a:prstGeom prst="rect">
-            <a:avLst/>
-          </a:prstGeom>
-        </p:spPr>
-      </p:pic>
-      <p:pic>
-        <p:nvPicPr>
           <p:cNvPr id="5" name="Рисунок 4"/>
           <p:cNvPicPr>
             <a:picLocks noChangeAspect="1"/>
@@ -10525,7 +10433,7 @@
           <p:nvPr/>
         </p:nvPicPr>
         <p:blipFill>
-          <a:blip r:embed="rId3"/>
+          <a:blip r:embed="rId2"/>
           <a:stretch>
             <a:fillRect/>
           </a:stretch>
@@ -10615,6 +10523,30 @@
           </a:p>
         </p:txBody>
       </p:sp>
+      <p:pic>
+        <p:nvPicPr>
+          <p:cNvPr id="6" name="Рисунок 5"/>
+          <p:cNvPicPr>
+            <a:picLocks noChangeAspect="1"/>
+          </p:cNvPicPr>
+          <p:nvPr/>
+        </p:nvPicPr>
+        <p:blipFill>
+          <a:blip r:embed="rId3"/>
+          <a:stretch>
+            <a:fillRect/>
+          </a:stretch>
+        </p:blipFill>
+        <p:spPr>
+          <a:xfrm>
+            <a:off x="8235511" y="1845734"/>
+            <a:ext cx="3521933" cy="4389898"/>
+          </a:xfrm>
+          <a:prstGeom prst="rect">
+            <a:avLst/>
+          </a:prstGeom>
+        </p:spPr>
+      </p:pic>
     </p:spTree>
     <p:extLst>
       <p:ext uri="{BB962C8B-B14F-4D97-AF65-F5344CB8AC3E}">
@@ -10726,33 +10658,15 @@
                                   </p:childTnLst>
                                 </p:cTn>
                               </p:par>
-                            </p:childTnLst>
-                          </p:cTn>
-                        </p:par>
-                      </p:childTnLst>
-                    </p:cTn>
-                  </p:par>
-                  <p:par>
-                    <p:cTn id="10" fill="hold">
-                      <p:stCondLst>
-                        <p:cond delay="indefinite"/>
-                      </p:stCondLst>
-                      <p:childTnLst>
-                        <p:par>
-                          <p:cTn id="11" fill="hold">
-                            <p:stCondLst>
-                              <p:cond delay="0"/>
-                            </p:stCondLst>
-                            <p:childTnLst>
                               <p:par>
-                                <p:cTn id="12" presetID="42" presetClass="entr" presetSubtype="0" fill="hold" nodeType="clickEffect">
+                                <p:cTn id="10" presetID="42" presetClass="entr" presetSubtype="0" fill="hold" nodeType="withEffect">
                                   <p:stCondLst>
                                     <p:cond delay="0"/>
                                   </p:stCondLst>
                                   <p:childTnLst>
                                     <p:set>
                                       <p:cBhvr>
-                                        <p:cTn id="13" dur="1" fill="hold">
+                                        <p:cTn id="11" dur="1" fill="hold">
                                           <p:stCondLst>
                                             <p:cond delay="0"/>
                                           </p:stCondLst>
@@ -10770,7 +10684,7 @@
                                     </p:set>
                                     <p:animEffect transition="in" filter="fade">
                                       <p:cBhvr>
-                                        <p:cTn id="14" dur="1000"/>
+                                        <p:cTn id="12" dur="1000"/>
                                         <p:tgtEl>
                                           <p:spTgt spid="5"/>
                                         </p:tgtEl>
@@ -10778,7 +10692,7 @@
                                     </p:animEffect>
                                     <p:anim calcmode="lin" valueType="num">
                                       <p:cBhvr>
-                                        <p:cTn id="15" dur="1000" fill="hold"/>
+                                        <p:cTn id="13" dur="1000" fill="hold"/>
                                         <p:tgtEl>
                                           <p:spTgt spid="5"/>
                                         </p:tgtEl>
@@ -10801,7 +10715,7 @@
                                     </p:anim>
                                     <p:anim calcmode="lin" valueType="num">
                                       <p:cBhvr>
-                                        <p:cTn id="16" dur="1000" fill="hold"/>
+                                        <p:cTn id="14" dur="1000" fill="hold"/>
                                         <p:tgtEl>
                                           <p:spTgt spid="5"/>
                                         </p:tgtEl>
@@ -10826,20 +10740,20 @@
                                 </p:cTn>
                               </p:par>
                               <p:par>
-                                <p:cTn id="17" presetID="42" presetClass="entr" presetSubtype="0" fill="hold" nodeType="withEffect">
+                                <p:cTn id="15" presetID="42" presetClass="entr" presetSubtype="0" fill="hold" nodeType="withEffect">
                                   <p:stCondLst>
                                     <p:cond delay="0"/>
                                   </p:stCondLst>
                                   <p:childTnLst>
                                     <p:set>
                                       <p:cBhvr>
-                                        <p:cTn id="18" dur="1" fill="hold">
+                                        <p:cTn id="16" dur="1" fill="hold">
                                           <p:stCondLst>
                                             <p:cond delay="0"/>
                                           </p:stCondLst>
                                         </p:cTn>
                                         <p:tgtEl>
-                                          <p:spTgt spid="4"/>
+                                          <p:spTgt spid="6"/>
                                         </p:tgtEl>
                                         <p:attrNameLst>
                                           <p:attrName>style.visibility</p:attrName>
@@ -10851,17 +10765,17 @@
                                     </p:set>
                                     <p:animEffect transition="in" filter="fade">
                                       <p:cBhvr>
-                                        <p:cTn id="19" dur="1000"/>
-                                        <p:tgtEl>
-                                          <p:spTgt spid="4"/>
+                                        <p:cTn id="17" dur="1000"/>
+                                        <p:tgtEl>
+                                          <p:spTgt spid="6"/>
                                         </p:tgtEl>
                                       </p:cBhvr>
                                     </p:animEffect>
                                     <p:anim calcmode="lin" valueType="num">
                                       <p:cBhvr>
-                                        <p:cTn id="20" dur="1000" fill="hold"/>
-                                        <p:tgtEl>
-                                          <p:spTgt spid="4"/>
+                                        <p:cTn id="18" dur="1000" fill="hold"/>
+                                        <p:tgtEl>
+                                          <p:spTgt spid="6"/>
                                         </p:tgtEl>
                                         <p:attrNameLst>
                                           <p:attrName>ppt_x</p:attrName>
@@ -10882,9 +10796,9 @@
                                     </p:anim>
                                     <p:anim calcmode="lin" valueType="num">
                                       <p:cBhvr>
-                                        <p:cTn id="21" dur="1000" fill="hold"/>
-                                        <p:tgtEl>
-                                          <p:spTgt spid="4"/>
+                                        <p:cTn id="19" dur="1000" fill="hold"/>
+                                        <p:tgtEl>
+                                          <p:spTgt spid="6"/>
                                         </p:tgtEl>
                                         <p:attrNameLst>
                                           <p:attrName>ppt_y</p:attrName>
@@ -10913,26 +10827,26 @@
                     </p:cTn>
                   </p:par>
                   <p:par>
-                    <p:cTn id="22" fill="hold">
+                    <p:cTn id="20" fill="hold">
                       <p:stCondLst>
                         <p:cond delay="indefinite"/>
                       </p:stCondLst>
                       <p:childTnLst>
                         <p:par>
-                          <p:cTn id="23" fill="hold">
+                          <p:cTn id="21" fill="hold">
                             <p:stCondLst>
                               <p:cond delay="0"/>
                             </p:stCondLst>
                             <p:childTnLst>
                               <p:par>
-                                <p:cTn id="24" presetID="42" presetClass="entr" presetSubtype="0" fill="hold" grpId="0" nodeType="clickEffect">
+                                <p:cTn id="22" presetID="42" presetClass="entr" presetSubtype="0" fill="hold" grpId="0" nodeType="clickEffect">
                                   <p:stCondLst>
                                     <p:cond delay="0"/>
                                   </p:stCondLst>
                                   <p:childTnLst>
                                     <p:set>
                                       <p:cBhvr>
-                                        <p:cTn id="25" dur="1" fill="hold">
+                                        <p:cTn id="23" dur="1" fill="hold">
                                           <p:stCondLst>
                                             <p:cond delay="0"/>
                                           </p:stCondLst>
@@ -10954,7 +10868,7 @@
                                     </p:set>
                                     <p:animEffect transition="in" filter="fade">
                                       <p:cBhvr>
-                                        <p:cTn id="26" dur="1000"/>
+                                        <p:cTn id="24" dur="1000"/>
                                         <p:tgtEl>
                                           <p:spTgt spid="3">
                                             <p:txEl>
@@ -10966,7 +10880,7 @@
                                     </p:animEffect>
                                     <p:anim calcmode="lin" valueType="num">
                                       <p:cBhvr>
-                                        <p:cTn id="27" dur="1000" fill="hold"/>
+                                        <p:cTn id="25" dur="1000" fill="hold"/>
                                         <p:tgtEl>
                                           <p:spTgt spid="3">
                                             <p:txEl>
@@ -10993,7 +10907,7 @@
                                     </p:anim>
                                     <p:anim calcmode="lin" valueType="num">
                                       <p:cBhvr>
-                                        <p:cTn id="28" dur="1000" fill="hold"/>
+                                        <p:cTn id="26" dur="1000" fill="hold"/>
                                         <p:tgtEl>
                                           <p:spTgt spid="3">
                                             <p:txEl>
@@ -11022,14 +10936,14 @@
                                 </p:cTn>
                               </p:par>
                               <p:par>
-                                <p:cTn id="29" presetID="42" presetClass="entr" presetSubtype="0" fill="hold" grpId="0" nodeType="withEffect">
+                                <p:cTn id="27" presetID="42" presetClass="entr" presetSubtype="0" fill="hold" grpId="0" nodeType="withEffect">
                                   <p:stCondLst>
                                     <p:cond delay="0"/>
                                   </p:stCondLst>
                                   <p:childTnLst>
                                     <p:set>
                                       <p:cBhvr>
-                                        <p:cTn id="30" dur="1" fill="hold">
+                                        <p:cTn id="28" dur="1" fill="hold">
                                           <p:stCondLst>
                                             <p:cond delay="0"/>
                                           </p:stCondLst>
@@ -11051,7 +10965,7 @@
                                     </p:set>
                                     <p:animEffect transition="in" filter="fade">
                                       <p:cBhvr>
-                                        <p:cTn id="31" dur="1000"/>
+                                        <p:cTn id="29" dur="1000"/>
                                         <p:tgtEl>
                                           <p:spTgt spid="3">
                                             <p:txEl>
@@ -11063,7 +10977,7 @@
                                     </p:animEffect>
                                     <p:anim calcmode="lin" valueType="num">
                                       <p:cBhvr>
-                                        <p:cTn id="32" dur="1000" fill="hold"/>
+                                        <p:cTn id="30" dur="1000" fill="hold"/>
                                         <p:tgtEl>
                                           <p:spTgt spid="3">
                                             <p:txEl>
@@ -11090,7 +11004,7 @@
                                     </p:anim>
                                     <p:anim calcmode="lin" valueType="num">
                                       <p:cBhvr>
-                                        <p:cTn id="33" dur="1000" fill="hold"/>
+                                        <p:cTn id="31" dur="1000" fill="hold"/>
                                         <p:tgtEl>
                                           <p:spTgt spid="3">
                                             <p:txEl>
@@ -11119,14 +11033,14 @@
                                 </p:cTn>
                               </p:par>
                               <p:par>
-                                <p:cTn id="34" presetID="42" presetClass="entr" presetSubtype="0" fill="hold" grpId="0" nodeType="withEffect">
+                                <p:cTn id="32" presetID="42" presetClass="entr" presetSubtype="0" fill="hold" grpId="0" nodeType="withEffect">
                                   <p:stCondLst>
                                     <p:cond delay="0"/>
                                   </p:stCondLst>
                                   <p:childTnLst>
                                     <p:set>
                                       <p:cBhvr>
-                                        <p:cTn id="35" dur="1" fill="hold">
+                                        <p:cTn id="33" dur="1" fill="hold">
                                           <p:stCondLst>
                                             <p:cond delay="0"/>
                                           </p:stCondLst>
@@ -11148,7 +11062,7 @@
                                     </p:set>
                                     <p:animEffect transition="in" filter="fade">
                                       <p:cBhvr>
-                                        <p:cTn id="36" dur="1000"/>
+                                        <p:cTn id="34" dur="1000"/>
                                         <p:tgtEl>
                                           <p:spTgt spid="3">
                                             <p:txEl>
@@ -11160,7 +11074,7 @@
                                     </p:animEffect>
                                     <p:anim calcmode="lin" valueType="num">
                                       <p:cBhvr>
-                                        <p:cTn id="37" dur="1000" fill="hold"/>
+                                        <p:cTn id="35" dur="1000" fill="hold"/>
                                         <p:tgtEl>
                                           <p:spTgt spid="3">
                                             <p:txEl>
@@ -11187,7 +11101,7 @@
                                     </p:anim>
                                     <p:anim calcmode="lin" valueType="num">
                                       <p:cBhvr>
-                                        <p:cTn id="38" dur="1000" fill="hold"/>
+                                        <p:cTn id="36" dur="1000" fill="hold"/>
                                         <p:tgtEl>
                                           <p:spTgt spid="3">
                                             <p:txEl>
@@ -11216,14 +11130,14 @@
                                 </p:cTn>
                               </p:par>
                               <p:par>
-                                <p:cTn id="39" presetID="42" presetClass="entr" presetSubtype="0" fill="hold" grpId="0" nodeType="withEffect">
+                                <p:cTn id="37" presetID="42" presetClass="entr" presetSubtype="0" fill="hold" grpId="0" nodeType="withEffect">
                                   <p:stCondLst>
                                     <p:cond delay="0"/>
                                   </p:stCondLst>
                                   <p:childTnLst>
                                     <p:set>
                                       <p:cBhvr>
-                                        <p:cTn id="40" dur="1" fill="hold">
+                                        <p:cTn id="38" dur="1" fill="hold">
                                           <p:stCondLst>
                                             <p:cond delay="0"/>
                                           </p:stCondLst>
@@ -11245,7 +11159,7 @@
                                     </p:set>
                                     <p:animEffect transition="in" filter="fade">
                                       <p:cBhvr>
-                                        <p:cTn id="41" dur="1000"/>
+                                        <p:cTn id="39" dur="1000"/>
                                         <p:tgtEl>
                                           <p:spTgt spid="3">
                                             <p:txEl>
@@ -11257,7 +11171,7 @@
                                     </p:animEffect>
                                     <p:anim calcmode="lin" valueType="num">
                                       <p:cBhvr>
-                                        <p:cTn id="42" dur="1000" fill="hold"/>
+                                        <p:cTn id="40" dur="1000" fill="hold"/>
                                         <p:tgtEl>
                                           <p:spTgt spid="3">
                                             <p:txEl>
@@ -11284,7 +11198,7 @@
                                     </p:anim>
                                     <p:anim calcmode="lin" valueType="num">
                                       <p:cBhvr>
-                                        <p:cTn id="43" dur="1000" fill="hold"/>
+                                        <p:cTn id="41" dur="1000" fill="hold"/>
                                         <p:tgtEl>
                                           <p:spTgt spid="3">
                                             <p:txEl>
@@ -11313,14 +11227,14 @@
                                 </p:cTn>
                               </p:par>
                               <p:par>
-                                <p:cTn id="44" presetID="42" presetClass="entr" presetSubtype="0" fill="hold" grpId="0" nodeType="withEffect">
+                                <p:cTn id="42" presetID="42" presetClass="entr" presetSubtype="0" fill="hold" grpId="0" nodeType="withEffect">
                                   <p:stCondLst>
                                     <p:cond delay="0"/>
                                   </p:stCondLst>
                                   <p:childTnLst>
                                     <p:set>
                                       <p:cBhvr>
-                                        <p:cTn id="45" dur="1" fill="hold">
+                                        <p:cTn id="43" dur="1" fill="hold">
                                           <p:stCondLst>
                                             <p:cond delay="0"/>
                                           </p:stCondLst>
@@ -11342,7 +11256,7 @@
                                     </p:set>
                                     <p:animEffect transition="in" filter="fade">
                                       <p:cBhvr>
-                                        <p:cTn id="46" dur="1000"/>
+                                        <p:cTn id="44" dur="1000"/>
                                         <p:tgtEl>
                                           <p:spTgt spid="3">
                                             <p:txEl>
@@ -11354,7 +11268,7 @@
                                     </p:animEffect>
                                     <p:anim calcmode="lin" valueType="num">
                                       <p:cBhvr>
-                                        <p:cTn id="47" dur="1000" fill="hold"/>
+                                        <p:cTn id="45" dur="1000" fill="hold"/>
                                         <p:tgtEl>
                                           <p:spTgt spid="3">
                                             <p:txEl>
@@ -11381,7 +11295,7 @@
                                     </p:anim>
                                     <p:anim calcmode="lin" valueType="num">
                                       <p:cBhvr>
-                                        <p:cTn id="48" dur="1000" fill="hold"/>
+                                        <p:cTn id="46" dur="1000" fill="hold"/>
                                         <p:tgtEl>
                                           <p:spTgt spid="3">
                                             <p:txEl>
@@ -11410,14 +11324,14 @@
                                 </p:cTn>
                               </p:par>
                               <p:par>
-                                <p:cTn id="49" presetID="42" presetClass="entr" presetSubtype="0" fill="hold" grpId="0" nodeType="withEffect">
+                                <p:cTn id="47" presetID="42" presetClass="entr" presetSubtype="0" fill="hold" grpId="0" nodeType="withEffect">
                                   <p:stCondLst>
                                     <p:cond delay="0"/>
                                   </p:stCondLst>
                                   <p:childTnLst>
                                     <p:set>
                                       <p:cBhvr>
-                                        <p:cTn id="50" dur="1" fill="hold">
+                                        <p:cTn id="48" dur="1" fill="hold">
                                           <p:stCondLst>
                                             <p:cond delay="0"/>
                                           </p:stCondLst>
@@ -11439,7 +11353,7 @@
                                     </p:set>
                                     <p:animEffect transition="in" filter="fade">
                                       <p:cBhvr>
-                                        <p:cTn id="51" dur="1000"/>
+                                        <p:cTn id="49" dur="1000"/>
                                         <p:tgtEl>
                                           <p:spTgt spid="3">
                                             <p:txEl>
@@ -11451,7 +11365,7 @@
                                     </p:animEffect>
                                     <p:anim calcmode="lin" valueType="num">
                                       <p:cBhvr>
-                                        <p:cTn id="52" dur="1000" fill="hold"/>
+                                        <p:cTn id="50" dur="1000" fill="hold"/>
                                         <p:tgtEl>
                                           <p:spTgt spid="3">
                                             <p:txEl>
@@ -11478,7 +11392,7 @@
                                     </p:anim>
                                     <p:anim calcmode="lin" valueType="num">
                                       <p:cBhvr>
-                                        <p:cTn id="53" dur="1000" fill="hold"/>
+                                        <p:cTn id="51" dur="1000" fill="hold"/>
                                         <p:tgtEl>
                                           <p:spTgt spid="3">
                                             <p:txEl>
@@ -12861,7 +12775,7 @@
                             </p:stCondLst>
                             <p:childTnLst>
                               <p:par>
-                                <p:cTn id="5" presetID="42" presetClass="entr" presetSubtype="0" fill="hold" grpId="0" nodeType="clickEffect">
+                                <p:cTn id="5" presetID="42" presetClass="entr" presetSubtype="0" fill="hold" nodeType="clickEffect">
                                   <p:stCondLst>
                                     <p:cond delay="0"/>
                                   </p:stCondLst>
@@ -12957,33 +12871,15 @@
                                   </p:childTnLst>
                                 </p:cTn>
                               </p:par>
-                            </p:childTnLst>
-                          </p:cTn>
-                        </p:par>
-                      </p:childTnLst>
-                    </p:cTn>
-                  </p:par>
-                  <p:par>
-                    <p:cTn id="10" fill="hold">
-                      <p:stCondLst>
-                        <p:cond delay="indefinite"/>
-                      </p:stCondLst>
-                      <p:childTnLst>
-                        <p:par>
-                          <p:cTn id="11" fill="hold">
-                            <p:stCondLst>
-                              <p:cond delay="0"/>
-                            </p:stCondLst>
-                            <p:childTnLst>
                               <p:par>
-                                <p:cTn id="12" presetID="42" presetClass="entr" presetSubtype="0" fill="hold" grpId="0" nodeType="clickEffect">
+                                <p:cTn id="10" presetID="42" presetClass="entr" presetSubtype="0" fill="hold" nodeType="withEffect">
                                   <p:stCondLst>
                                     <p:cond delay="0"/>
                                   </p:stCondLst>
                                   <p:childTnLst>
                                     <p:set>
                                       <p:cBhvr>
-                                        <p:cTn id="13" dur="1" fill="hold">
+                                        <p:cTn id="11" dur="1" fill="hold">
                                           <p:stCondLst>
                                             <p:cond delay="0"/>
                                           </p:stCondLst>
@@ -13005,7 +12901,7 @@
                                     </p:set>
                                     <p:animEffect transition="in" filter="fade">
                                       <p:cBhvr>
-                                        <p:cTn id="14" dur="1000"/>
+                                        <p:cTn id="12" dur="1000"/>
                                         <p:tgtEl>
                                           <p:spTgt spid="3">
                                             <p:txEl>
@@ -13017,7 +12913,7 @@
                                     </p:animEffect>
                                     <p:anim calcmode="lin" valueType="num">
                                       <p:cBhvr>
-                                        <p:cTn id="15" dur="1000" fill="hold"/>
+                                        <p:cTn id="13" dur="1000" fill="hold"/>
                                         <p:tgtEl>
                                           <p:spTgt spid="3">
                                             <p:txEl>
@@ -13044,7 +12940,7 @@
                                     </p:anim>
                                     <p:anim calcmode="lin" valueType="num">
                                       <p:cBhvr>
-                                        <p:cTn id="16" dur="1000" fill="hold"/>
+                                        <p:cTn id="14" dur="1000" fill="hold"/>
                                         <p:tgtEl>
                                           <p:spTgt spid="3">
                                             <p:txEl>
@@ -13072,33 +12968,15 @@
                                   </p:childTnLst>
                                 </p:cTn>
                               </p:par>
-                            </p:childTnLst>
-                          </p:cTn>
-                        </p:par>
-                      </p:childTnLst>
-                    </p:cTn>
-                  </p:par>
-                  <p:par>
-                    <p:cTn id="17" fill="hold">
-                      <p:stCondLst>
-                        <p:cond delay="indefinite"/>
-                      </p:stCondLst>
-                      <p:childTnLst>
-                        <p:par>
-                          <p:cTn id="18" fill="hold">
-                            <p:stCondLst>
-                              <p:cond delay="0"/>
-                            </p:stCondLst>
-                            <p:childTnLst>
                               <p:par>
-                                <p:cTn id="19" presetID="42" presetClass="entr" presetSubtype="0" fill="hold" grpId="0" nodeType="clickEffect">
+                                <p:cTn id="15" presetID="42" presetClass="entr" presetSubtype="0" fill="hold" nodeType="withEffect">
                                   <p:stCondLst>
                                     <p:cond delay="0"/>
                                   </p:stCondLst>
                                   <p:childTnLst>
                                     <p:set>
                                       <p:cBhvr>
-                                        <p:cTn id="20" dur="1" fill="hold">
+                                        <p:cTn id="16" dur="1" fill="hold">
                                           <p:stCondLst>
                                             <p:cond delay="0"/>
                                           </p:stCondLst>
@@ -13120,7 +12998,7 @@
                                     </p:set>
                                     <p:animEffect transition="in" filter="fade">
                                       <p:cBhvr>
-                                        <p:cTn id="21" dur="1000"/>
+                                        <p:cTn id="17" dur="1000"/>
                                         <p:tgtEl>
                                           <p:spTgt spid="3">
                                             <p:txEl>
@@ -13132,7 +13010,7 @@
                                     </p:animEffect>
                                     <p:anim calcmode="lin" valueType="num">
                                       <p:cBhvr>
-                                        <p:cTn id="22" dur="1000" fill="hold"/>
+                                        <p:cTn id="18" dur="1000" fill="hold"/>
                                         <p:tgtEl>
                                           <p:spTgt spid="3">
                                             <p:txEl>
@@ -13159,7 +13037,7 @@
                                     </p:anim>
                                     <p:anim calcmode="lin" valueType="num">
                                       <p:cBhvr>
-                                        <p:cTn id="23" dur="1000" fill="hold"/>
+                                        <p:cTn id="19" dur="1000" fill="hold"/>
                                         <p:tgtEl>
                                           <p:spTgt spid="3">
                                             <p:txEl>
@@ -13187,33 +13065,15 @@
                                   </p:childTnLst>
                                 </p:cTn>
                               </p:par>
-                            </p:childTnLst>
-                          </p:cTn>
-                        </p:par>
-                      </p:childTnLst>
-                    </p:cTn>
-                  </p:par>
-                  <p:par>
-                    <p:cTn id="24" fill="hold">
-                      <p:stCondLst>
-                        <p:cond delay="indefinite"/>
-                      </p:stCondLst>
-                      <p:childTnLst>
-                        <p:par>
-                          <p:cTn id="25" fill="hold">
-                            <p:stCondLst>
-                              <p:cond delay="0"/>
-                            </p:stCondLst>
-                            <p:childTnLst>
                               <p:par>
-                                <p:cTn id="26" presetID="42" presetClass="entr" presetSubtype="0" fill="hold" grpId="0" nodeType="clickEffect">
+                                <p:cTn id="20" presetID="42" presetClass="entr" presetSubtype="0" fill="hold" nodeType="withEffect">
                                   <p:stCondLst>
                                     <p:cond delay="0"/>
                                   </p:stCondLst>
                                   <p:childTnLst>
                                     <p:set>
                                       <p:cBhvr>
-                                        <p:cTn id="27" dur="1" fill="hold">
+                                        <p:cTn id="21" dur="1" fill="hold">
                                           <p:stCondLst>
                                             <p:cond delay="0"/>
                                           </p:stCondLst>
@@ -13235,7 +13095,7 @@
                                     </p:set>
                                     <p:animEffect transition="in" filter="fade">
                                       <p:cBhvr>
-                                        <p:cTn id="28" dur="1000"/>
+                                        <p:cTn id="22" dur="1000"/>
                                         <p:tgtEl>
                                           <p:spTgt spid="3">
                                             <p:txEl>
@@ -13247,7 +13107,7 @@
                                     </p:animEffect>
                                     <p:anim calcmode="lin" valueType="num">
                                       <p:cBhvr>
-                                        <p:cTn id="29" dur="1000" fill="hold"/>
+                                        <p:cTn id="23" dur="1000" fill="hold"/>
                                         <p:tgtEl>
                                           <p:spTgt spid="3">
                                             <p:txEl>
@@ -13274,7 +13134,7 @@
                                     </p:anim>
                                     <p:anim calcmode="lin" valueType="num">
                                       <p:cBhvr>
-                                        <p:cTn id="30" dur="1000" fill="hold"/>
+                                        <p:cTn id="24" dur="1000" fill="hold"/>
                                         <p:tgtEl>
                                           <p:spTgt spid="3">
                                             <p:txEl>
@@ -13302,33 +13162,15 @@
                                   </p:childTnLst>
                                 </p:cTn>
                               </p:par>
-                            </p:childTnLst>
-                          </p:cTn>
-                        </p:par>
-                      </p:childTnLst>
-                    </p:cTn>
-                  </p:par>
-                  <p:par>
-                    <p:cTn id="31" fill="hold">
-                      <p:stCondLst>
-                        <p:cond delay="indefinite"/>
-                      </p:stCondLst>
-                      <p:childTnLst>
-                        <p:par>
-                          <p:cTn id="32" fill="hold">
-                            <p:stCondLst>
-                              <p:cond delay="0"/>
-                            </p:stCondLst>
-                            <p:childTnLst>
                               <p:par>
-                                <p:cTn id="33" presetID="42" presetClass="entr" presetSubtype="0" fill="hold" grpId="0" nodeType="clickEffect">
+                                <p:cTn id="25" presetID="42" presetClass="entr" presetSubtype="0" fill="hold" nodeType="withEffect">
                                   <p:stCondLst>
                                     <p:cond delay="0"/>
                                   </p:stCondLst>
                                   <p:childTnLst>
                                     <p:set>
                                       <p:cBhvr>
-                                        <p:cTn id="34" dur="1" fill="hold">
+                                        <p:cTn id="26" dur="1" fill="hold">
                                           <p:stCondLst>
                                             <p:cond delay="0"/>
                                           </p:stCondLst>
@@ -13350,7 +13192,7 @@
                                     </p:set>
                                     <p:animEffect transition="in" filter="fade">
                                       <p:cBhvr>
-                                        <p:cTn id="35" dur="1000"/>
+                                        <p:cTn id="27" dur="1000"/>
                                         <p:tgtEl>
                                           <p:spTgt spid="3">
                                             <p:txEl>
@@ -13362,7 +13204,7 @@
                                     </p:animEffect>
                                     <p:anim calcmode="lin" valueType="num">
                                       <p:cBhvr>
-                                        <p:cTn id="36" dur="1000" fill="hold"/>
+                                        <p:cTn id="28" dur="1000" fill="hold"/>
                                         <p:tgtEl>
                                           <p:spTgt spid="3">
                                             <p:txEl>
@@ -13389,7 +13231,7 @@
                                     </p:anim>
                                     <p:anim calcmode="lin" valueType="num">
                                       <p:cBhvr>
-                                        <p:cTn id="37" dur="1000" fill="hold"/>
+                                        <p:cTn id="29" dur="1000" fill="hold"/>
                                         <p:tgtEl>
                                           <p:spTgt spid="3">
                                             <p:txEl>
@@ -13444,9 +13286,6 @@
         </p:cTn>
       </p:par>
     </p:tnLst>
-    <p:bldLst>
-      <p:bldP spid="3" grpId="0" build="p"/>
-    </p:bldLst>
   </p:timing>
 </p:sld>
 </file>
@@ -15745,11 +15584,6 @@
               </a:rPr>
               <a:t> 	нажатия</a:t>
             </a:r>
-            <a:endParaRPr lang="ru-RU" sz="2600" dirty="0" smtClean="0">
-              <a:solidFill>
-                <a:schemeClr val="tx1"/>
-              </a:solidFill>
-            </a:endParaRPr>
           </a:p>
         </p:txBody>
       </p:sp>
@@ -16828,11 +16662,6 @@
               </a:rPr>
               <a:t> 	нажатия</a:t>
             </a:r>
-            <a:endParaRPr lang="ru-RU" sz="2600" dirty="0" smtClean="0">
-              <a:solidFill>
-                <a:schemeClr val="tx1"/>
-              </a:solidFill>
-            </a:endParaRPr>
           </a:p>
         </p:txBody>
       </p:sp>
@@ -16920,11 +16749,6 @@
               </a:rPr>
               <a:t>и закрашиваем их</a:t>
             </a:r>
-            <a:endParaRPr lang="ru-RU" sz="2600" dirty="0" smtClean="0">
-              <a:solidFill>
-                <a:schemeClr val="tx1"/>
-              </a:solidFill>
-            </a:endParaRPr>
           </a:p>
         </p:txBody>
       </p:sp>
@@ -18006,11 +17830,6 @@
               </a:rPr>
               <a:t>Все гистограммы можно двигать, редактировать, удалять шум.</a:t>
             </a:r>
-            <a:endParaRPr lang="ru-RU" sz="2800" dirty="0" smtClean="0">
-              <a:solidFill>
-                <a:schemeClr val="tx1"/>
-              </a:solidFill>
-            </a:endParaRPr>
           </a:p>
         </p:txBody>
       </p:sp>
